--- a/Getraenkehandel-Aufgabe-8/Dateien_Saftladen/Präsentation.pptx
+++ b/Getraenkehandel-Aufgabe-8/Dateien_Saftladen/Präsentation.pptx
@@ -18214,7 +18214,7 @@
               <a:t>(</a:t>
             </a:r>
             <a:r>
-              <a:rPr lang="de-DE" sz="1200" dirty="0" err="1">
+              <a:rPr lang="de-DE" sz="1200" u="sng" dirty="0" err="1">
                 <a:latin typeface="Arial Narrow" panose="020B0606020202030204" pitchFamily="34" charset="0"/>
                 <a:cs typeface="Helvetica" panose="020B0604020202020204" pitchFamily="34" charset="0"/>
               </a:rPr>
